--- a/presentation_stath.pptx
+++ b/presentation_stath.pptx
@@ -275,7 +275,7 @@
           <a:p>
             <a:fld id="{77187652-CF57-49EA-8BD2-A060E88FB7D1}" type="datetimeFigureOut">
               <a:rPr lang="en-ZA" smtClean="0"/>
-              <a:t>2021/04/22</a:t>
+              <a:t>2021/04/23</a:t>
             </a:fld>
             <a:endParaRPr lang="en-ZA"/>
           </a:p>
@@ -475,7 +475,7 @@
           <a:p>
             <a:fld id="{77187652-CF57-49EA-8BD2-A060E88FB7D1}" type="datetimeFigureOut">
               <a:rPr lang="en-ZA" smtClean="0"/>
-              <a:t>2021/04/22</a:t>
+              <a:t>2021/04/23</a:t>
             </a:fld>
             <a:endParaRPr lang="en-ZA"/>
           </a:p>
@@ -685,7 +685,7 @@
           <a:p>
             <a:fld id="{77187652-CF57-49EA-8BD2-A060E88FB7D1}" type="datetimeFigureOut">
               <a:rPr lang="en-ZA" smtClean="0"/>
-              <a:t>2021/04/22</a:t>
+              <a:t>2021/04/23</a:t>
             </a:fld>
             <a:endParaRPr lang="en-ZA"/>
           </a:p>
@@ -885,7 +885,7 @@
           <a:p>
             <a:fld id="{77187652-CF57-49EA-8BD2-A060E88FB7D1}" type="datetimeFigureOut">
               <a:rPr lang="en-ZA" smtClean="0"/>
-              <a:t>2021/04/22</a:t>
+              <a:t>2021/04/23</a:t>
             </a:fld>
             <a:endParaRPr lang="en-ZA"/>
           </a:p>
@@ -1161,7 +1161,7 @@
           <a:p>
             <a:fld id="{77187652-CF57-49EA-8BD2-A060E88FB7D1}" type="datetimeFigureOut">
               <a:rPr lang="en-ZA" smtClean="0"/>
-              <a:t>2021/04/22</a:t>
+              <a:t>2021/04/23</a:t>
             </a:fld>
             <a:endParaRPr lang="en-ZA"/>
           </a:p>
@@ -1429,7 +1429,7 @@
           <a:p>
             <a:fld id="{77187652-CF57-49EA-8BD2-A060E88FB7D1}" type="datetimeFigureOut">
               <a:rPr lang="en-ZA" smtClean="0"/>
-              <a:t>2021/04/22</a:t>
+              <a:t>2021/04/23</a:t>
             </a:fld>
             <a:endParaRPr lang="en-ZA"/>
           </a:p>
@@ -1844,7 +1844,7 @@
           <a:p>
             <a:fld id="{77187652-CF57-49EA-8BD2-A060E88FB7D1}" type="datetimeFigureOut">
               <a:rPr lang="en-ZA" smtClean="0"/>
-              <a:t>2021/04/22</a:t>
+              <a:t>2021/04/23</a:t>
             </a:fld>
             <a:endParaRPr lang="en-ZA"/>
           </a:p>
@@ -1986,7 +1986,7 @@
           <a:p>
             <a:fld id="{77187652-CF57-49EA-8BD2-A060E88FB7D1}" type="datetimeFigureOut">
               <a:rPr lang="en-ZA" smtClean="0"/>
-              <a:t>2021/04/22</a:t>
+              <a:t>2021/04/23</a:t>
             </a:fld>
             <a:endParaRPr lang="en-ZA"/>
           </a:p>
@@ -2099,7 +2099,7 @@
           <a:p>
             <a:fld id="{77187652-CF57-49EA-8BD2-A060E88FB7D1}" type="datetimeFigureOut">
               <a:rPr lang="en-ZA" smtClean="0"/>
-              <a:t>2021/04/22</a:t>
+              <a:t>2021/04/23</a:t>
             </a:fld>
             <a:endParaRPr lang="en-ZA"/>
           </a:p>
@@ -2412,7 +2412,7 @@
           <a:p>
             <a:fld id="{77187652-CF57-49EA-8BD2-A060E88FB7D1}" type="datetimeFigureOut">
               <a:rPr lang="en-ZA" smtClean="0"/>
-              <a:t>2021/04/22</a:t>
+              <a:t>2021/04/23</a:t>
             </a:fld>
             <a:endParaRPr lang="en-ZA"/>
           </a:p>
@@ -2701,7 +2701,7 @@
           <a:p>
             <a:fld id="{77187652-CF57-49EA-8BD2-A060E88FB7D1}" type="datetimeFigureOut">
               <a:rPr lang="en-ZA" smtClean="0"/>
-              <a:t>2021/04/22</a:t>
+              <a:t>2021/04/23</a:t>
             </a:fld>
             <a:endParaRPr lang="en-ZA"/>
           </a:p>
@@ -2944,7 +2944,7 @@
           <a:p>
             <a:fld id="{77187652-CF57-49EA-8BD2-A060E88FB7D1}" type="datetimeFigureOut">
               <a:rPr lang="en-ZA" smtClean="0"/>
-              <a:t>2021/04/22</a:t>
+              <a:t>2021/04/23</a:t>
             </a:fld>
             <a:endParaRPr lang="en-ZA"/>
           </a:p>
@@ -4646,14 +4646,14 @@
             <p:ph idx="1"/>
             <p:extLst>
               <p:ext uri="{D42A27DB-BD31-4B8C-83A1-F6EECF244321}">
-                <p14:modId xmlns:p14="http://schemas.microsoft.com/office/powerpoint/2010/main" val="1234305669"/>
+                <p14:modId xmlns:p14="http://schemas.microsoft.com/office/powerpoint/2010/main" val="41689427"/>
               </p:ext>
             </p:extLst>
           </p:nvPr>
         </p:nvGraphicFramePr>
         <p:xfrm>
           <a:off x="838200" y="1825625"/>
-          <a:ext cx="10515596" cy="1112520"/>
+          <a:ext cx="10515600" cy="1112520"/>
         </p:xfrm>
         <a:graphic>
           <a:graphicData uri="http://schemas.openxmlformats.org/drawingml/2006/table">
@@ -4662,55 +4662,76 @@
                 <a:tableStyleId>{5C22544A-7EE6-4342-B048-85BDC9FD1C3A}</a:tableStyleId>
               </a:tblPr>
               <a:tblGrid>
-                <a:gridCol w="1502228">
+                <a:gridCol w="1051560">
                   <a:extLst>
                     <a:ext uri="{9D8B030D-6E8A-4147-A177-3AD203B41FA5}">
                       <a16:colId xmlns:a16="http://schemas.microsoft.com/office/drawing/2014/main" val="1103992068"/>
                     </a:ext>
                   </a:extLst>
                 </a:gridCol>
-                <a:gridCol w="1502228">
+                <a:gridCol w="1051560">
                   <a:extLst>
                     <a:ext uri="{9D8B030D-6E8A-4147-A177-3AD203B41FA5}">
                       <a16:colId xmlns:a16="http://schemas.microsoft.com/office/drawing/2014/main" val="3384624770"/>
                     </a:ext>
                   </a:extLst>
                 </a:gridCol>
-                <a:gridCol w="1502228">
+                <a:gridCol w="1051560">
                   <a:extLst>
                     <a:ext uri="{9D8B030D-6E8A-4147-A177-3AD203B41FA5}">
                       <a16:colId xmlns:a16="http://schemas.microsoft.com/office/drawing/2014/main" val="2005126094"/>
                     </a:ext>
                   </a:extLst>
                 </a:gridCol>
-                <a:gridCol w="1502228">
+                <a:gridCol w="1051560">
                   <a:extLst>
                     <a:ext uri="{9D8B030D-6E8A-4147-A177-3AD203B41FA5}">
                       <a16:colId xmlns:a16="http://schemas.microsoft.com/office/drawing/2014/main" val="1634111959"/>
                     </a:ext>
                   </a:extLst>
                 </a:gridCol>
-                <a:gridCol w="1502228">
+                <a:gridCol w="1051560">
                   <a:extLst>
                     <a:ext uri="{9D8B030D-6E8A-4147-A177-3AD203B41FA5}">
                       <a16:colId xmlns:a16="http://schemas.microsoft.com/office/drawing/2014/main" val="805780412"/>
                     </a:ext>
                   </a:extLst>
                 </a:gridCol>
-                <a:gridCol w="1502228">
+                <a:gridCol w="1051560">
                   <a:extLst>
                     <a:ext uri="{9D8B030D-6E8A-4147-A177-3AD203B41FA5}">
                       <a16:colId xmlns:a16="http://schemas.microsoft.com/office/drawing/2014/main" val="3451547458"/>
                     </a:ext>
                   </a:extLst>
                 </a:gridCol>
-                <a:gridCol w="1502228">
+                <a:gridCol w="1051560">
                   <a:extLst>
                     <a:ext uri="{9D8B030D-6E8A-4147-A177-3AD203B41FA5}">
                       <a16:colId xmlns:a16="http://schemas.microsoft.com/office/drawing/2014/main" val="1615663973"/>
                     </a:ext>
                   </a:extLst>
                 </a:gridCol>
+                <a:gridCol w="1051560">
+                  <a:extLst>
+                    <a:ext uri="{9D8B030D-6E8A-4147-A177-3AD203B41FA5}">
+                      <a16:colId xmlns:a16="http://schemas.microsoft.com/office/drawing/2014/main" val="3637209409"/>
+                    </a:ext>
+                  </a:extLst>
+                </a:gridCol>
+                <a:gridCol w="1051560">
+                  <a:extLst>
+                    <a:ext uri="{9D8B030D-6E8A-4147-A177-3AD203B41FA5}">
+                      <a16:colId xmlns:a16="http://schemas.microsoft.com/office/drawing/2014/main" val="251967461"/>
+                    </a:ext>
+                  </a:extLst>
+                </a:gridCol>
+                <a:gridCol w="1051560">
+                  <a:extLst>
+                    <a:ext uri="{9D8B030D-6E8A-4147-A177-3AD203B41FA5}">
+                      <a16:colId xmlns:a16="http://schemas.microsoft.com/office/drawing/2014/main" val="1907005710"/>
+                    </a:ext>
+                  </a:extLst>
+                </a:gridCol>
               </a:tblGrid>
               <a:tr h="370840">
                 <a:tc>
@@ -4730,7 +4751,7 @@
                     <a:p>
                       <a:r>
                         <a:rPr lang="en-ZA" dirty="0"/>
-                        <a:t>Group a</a:t>
+                        <a:t>M02</a:t>
                       </a:r>
                     </a:p>
                   </a:txBody>
@@ -4743,7 +4764,7 @@
                     <a:p>
                       <a:r>
                         <a:rPr lang="en-ZA" dirty="0"/>
-                        <a:t>Group b</a:t>
+                        <a:t>N02</a:t>
                       </a:r>
                     </a:p>
                   </a:txBody>
@@ -4756,7 +4777,7 @@
                     <a:p>
                       <a:r>
                         <a:rPr lang="en-ZA" dirty="0"/>
-                        <a:t>Group c</a:t>
+                        <a:t>E02</a:t>
                       </a:r>
                     </a:p>
                   </a:txBody>
@@ -4769,7 +4790,7 @@
                     <a:p>
                       <a:r>
                         <a:rPr lang="en-ZA" dirty="0"/>
-                        <a:t>Group d</a:t>
+                        <a:t>M06</a:t>
                       </a:r>
                     </a:p>
                   </a:txBody>
@@ -4782,7 +4803,7 @@
                     <a:p>
                       <a:r>
                         <a:rPr lang="en-ZA" dirty="0"/>
-                        <a:t>Group e</a:t>
+                        <a:t>N06</a:t>
                       </a:r>
                     </a:p>
                   </a:txBody>
@@ -4795,7 +4816,46 @@
                     <a:p>
                       <a:r>
                         <a:rPr lang="en-ZA" dirty="0"/>
-                        <a:t>Group f</a:t>
+                        <a:t>E06</a:t>
+                      </a:r>
+                    </a:p>
+                  </a:txBody>
+                  <a:tcPr/>
+                </a:tc>
+                <a:tc>
+                  <a:txBody>
+                    <a:bodyPr/>
+                    <a:lstStyle/>
+                    <a:p>
+                      <a:r>
+                        <a:rPr lang="en-ZA" dirty="0"/>
+                        <a:t>M24</a:t>
+                      </a:r>
+                    </a:p>
+                  </a:txBody>
+                  <a:tcPr/>
+                </a:tc>
+                <a:tc>
+                  <a:txBody>
+                    <a:bodyPr/>
+                    <a:lstStyle/>
+                    <a:p>
+                      <a:r>
+                        <a:rPr lang="en-ZA" dirty="0"/>
+                        <a:t>N24</a:t>
+                      </a:r>
+                    </a:p>
+                  </a:txBody>
+                  <a:tcPr/>
+                </a:tc>
+                <a:tc>
+                  <a:txBody>
+                    <a:bodyPr/>
+                    <a:lstStyle/>
+                    <a:p>
+                      <a:r>
+                        <a:rPr lang="en-ZA" dirty="0"/>
+                        <a:t>E24</a:t>
                       </a:r>
                     </a:p>
                   </a:txBody>
@@ -4854,7 +4914,7 @@
                     <a:p>
                       <a:r>
                         <a:rPr lang="en-ZA" dirty="0"/>
-                        <a:t>6</a:t>
+                        <a:t>2</a:t>
                       </a:r>
                     </a:p>
                   </a:txBody>
@@ -4868,6 +4928,45 @@
                       <a:r>
                         <a:rPr lang="en-ZA" dirty="0"/>
                         <a:t>6</a:t>
+                      </a:r>
+                    </a:p>
+                  </a:txBody>
+                  <a:tcPr/>
+                </a:tc>
+                <a:tc>
+                  <a:txBody>
+                    <a:bodyPr/>
+                    <a:lstStyle/>
+                    <a:p>
+                      <a:r>
+                        <a:rPr lang="en-ZA" dirty="0"/>
+                        <a:t>6</a:t>
+                      </a:r>
+                    </a:p>
+                  </a:txBody>
+                  <a:tcPr/>
+                </a:tc>
+                <a:tc>
+                  <a:txBody>
+                    <a:bodyPr/>
+                    <a:lstStyle/>
+                    <a:p>
+                      <a:r>
+                        <a:rPr lang="en-ZA" dirty="0"/>
+                        <a:t>6</a:t>
+                      </a:r>
+                    </a:p>
+                  </a:txBody>
+                  <a:tcPr/>
+                </a:tc>
+                <a:tc>
+                  <a:txBody>
+                    <a:bodyPr/>
+                    <a:lstStyle/>
+                    <a:p>
+                      <a:r>
+                        <a:rPr lang="en-ZA" dirty="0"/>
+                        <a:t>24</a:t>
                       </a:r>
                     </a:p>
                   </a:txBody>
@@ -4926,9 +5025,24 @@
                     <a:lstStyle/>
                     <a:p>
                       <a:r>
-                        <a:rPr lang="en-ZA" dirty="0"/>
-                        <a:t>+</a:t>
+                        <a:rPr lang="en-ZA" dirty="0" err="1"/>
+                        <a:t>uM</a:t>
                       </a:r>
+                      <a:endParaRPr lang="en-ZA" dirty="0"/>
+                    </a:p>
+                  </a:txBody>
+                  <a:tcPr/>
+                </a:tc>
+                <a:tc>
+                  <a:txBody>
+                    <a:bodyPr/>
+                    <a:lstStyle/>
+                    <a:p>
+                      <a:r>
+                        <a:rPr lang="en-ZA" dirty="0" err="1"/>
+                        <a:t>nM</a:t>
+                      </a:r>
+                      <a:endParaRPr lang="en-ZA" dirty="0"/>
                     </a:p>
                   </a:txBody>
                   <a:tcPr/>
@@ -4952,9 +5066,24 @@
                     <a:lstStyle/>
                     <a:p>
                       <a:r>
-                        <a:rPr lang="en-ZA" dirty="0"/>
-                        <a:t>+</a:t>
+                        <a:rPr lang="en-ZA" dirty="0" err="1"/>
+                        <a:t>uM</a:t>
                       </a:r>
+                      <a:endParaRPr lang="en-ZA" dirty="0"/>
+                    </a:p>
+                  </a:txBody>
+                  <a:tcPr/>
+                </a:tc>
+                <a:tc>
+                  <a:txBody>
+                    <a:bodyPr/>
+                    <a:lstStyle/>
+                    <a:p>
+                      <a:r>
+                        <a:rPr lang="en-ZA" dirty="0" err="1"/>
+                        <a:t>nM</a:t>
+                      </a:r>
+                      <a:endParaRPr lang="en-ZA" dirty="0"/>
                     </a:p>
                   </a:txBody>
                   <a:tcPr/>
@@ -4978,9 +5107,24 @@
                     <a:lstStyle/>
                     <a:p>
                       <a:r>
-                        <a:rPr lang="en-ZA" dirty="0"/>
-                        <a:t>+</a:t>
+                        <a:rPr lang="en-ZA" dirty="0" err="1"/>
+                        <a:t>uM</a:t>
                       </a:r>
+                      <a:endParaRPr lang="en-ZA" dirty="0"/>
+                    </a:p>
+                  </a:txBody>
+                  <a:tcPr/>
+                </a:tc>
+                <a:tc>
+                  <a:txBody>
+                    <a:bodyPr/>
+                    <a:lstStyle/>
+                    <a:p>
+                      <a:r>
+                        <a:rPr lang="en-ZA" dirty="0" err="1"/>
+                        <a:t>nM</a:t>
+                      </a:r>
+                      <a:endParaRPr lang="en-ZA" dirty="0"/>
                     </a:p>
                   </a:txBody>
                   <a:tcPr/>

--- a/presentation_stath.pptx
+++ b/presentation_stath.pptx
@@ -275,7 +275,7 @@
           <a:p>
             <a:fld id="{77187652-CF57-49EA-8BD2-A060E88FB7D1}" type="datetimeFigureOut">
               <a:rPr lang="en-ZA" smtClean="0"/>
-              <a:t>2021/04/23</a:t>
+              <a:t>2021/04/30</a:t>
             </a:fld>
             <a:endParaRPr lang="en-ZA"/>
           </a:p>
@@ -475,7 +475,7 @@
           <a:p>
             <a:fld id="{77187652-CF57-49EA-8BD2-A060E88FB7D1}" type="datetimeFigureOut">
               <a:rPr lang="en-ZA" smtClean="0"/>
-              <a:t>2021/04/23</a:t>
+              <a:t>2021/04/30</a:t>
             </a:fld>
             <a:endParaRPr lang="en-ZA"/>
           </a:p>
@@ -685,7 +685,7 @@
           <a:p>
             <a:fld id="{77187652-CF57-49EA-8BD2-A060E88FB7D1}" type="datetimeFigureOut">
               <a:rPr lang="en-ZA" smtClean="0"/>
-              <a:t>2021/04/23</a:t>
+              <a:t>2021/04/30</a:t>
             </a:fld>
             <a:endParaRPr lang="en-ZA"/>
           </a:p>
@@ -885,7 +885,7 @@
           <a:p>
             <a:fld id="{77187652-CF57-49EA-8BD2-A060E88FB7D1}" type="datetimeFigureOut">
               <a:rPr lang="en-ZA" smtClean="0"/>
-              <a:t>2021/04/23</a:t>
+              <a:t>2021/04/30</a:t>
             </a:fld>
             <a:endParaRPr lang="en-ZA"/>
           </a:p>
@@ -1161,7 +1161,7 @@
           <a:p>
             <a:fld id="{77187652-CF57-49EA-8BD2-A060E88FB7D1}" type="datetimeFigureOut">
               <a:rPr lang="en-ZA" smtClean="0"/>
-              <a:t>2021/04/23</a:t>
+              <a:t>2021/04/30</a:t>
             </a:fld>
             <a:endParaRPr lang="en-ZA"/>
           </a:p>
@@ -1429,7 +1429,7 @@
           <a:p>
             <a:fld id="{77187652-CF57-49EA-8BD2-A060E88FB7D1}" type="datetimeFigureOut">
               <a:rPr lang="en-ZA" smtClean="0"/>
-              <a:t>2021/04/23</a:t>
+              <a:t>2021/04/30</a:t>
             </a:fld>
             <a:endParaRPr lang="en-ZA"/>
           </a:p>
@@ -1844,7 +1844,7 @@
           <a:p>
             <a:fld id="{77187652-CF57-49EA-8BD2-A060E88FB7D1}" type="datetimeFigureOut">
               <a:rPr lang="en-ZA" smtClean="0"/>
-              <a:t>2021/04/23</a:t>
+              <a:t>2021/04/30</a:t>
             </a:fld>
             <a:endParaRPr lang="en-ZA"/>
           </a:p>
@@ -1986,7 +1986,7 @@
           <a:p>
             <a:fld id="{77187652-CF57-49EA-8BD2-A060E88FB7D1}" type="datetimeFigureOut">
               <a:rPr lang="en-ZA" smtClean="0"/>
-              <a:t>2021/04/23</a:t>
+              <a:t>2021/04/30</a:t>
             </a:fld>
             <a:endParaRPr lang="en-ZA"/>
           </a:p>
@@ -2099,7 +2099,7 @@
           <a:p>
             <a:fld id="{77187652-CF57-49EA-8BD2-A060E88FB7D1}" type="datetimeFigureOut">
               <a:rPr lang="en-ZA" smtClean="0"/>
-              <a:t>2021/04/23</a:t>
+              <a:t>2021/04/30</a:t>
             </a:fld>
             <a:endParaRPr lang="en-ZA"/>
           </a:p>
@@ -2412,7 +2412,7 @@
           <a:p>
             <a:fld id="{77187652-CF57-49EA-8BD2-A060E88FB7D1}" type="datetimeFigureOut">
               <a:rPr lang="en-ZA" smtClean="0"/>
-              <a:t>2021/04/23</a:t>
+              <a:t>2021/04/30</a:t>
             </a:fld>
             <a:endParaRPr lang="en-ZA"/>
           </a:p>
@@ -2701,7 +2701,7 @@
           <a:p>
             <a:fld id="{77187652-CF57-49EA-8BD2-A060E88FB7D1}" type="datetimeFigureOut">
               <a:rPr lang="en-ZA" smtClean="0"/>
-              <a:t>2021/04/23</a:t>
+              <a:t>2021/04/30</a:t>
             </a:fld>
             <a:endParaRPr lang="en-ZA"/>
           </a:p>
@@ -2944,7 +2944,7 @@
           <a:p>
             <a:fld id="{77187652-CF57-49EA-8BD2-A060E88FB7D1}" type="datetimeFigureOut">
               <a:rPr lang="en-ZA" smtClean="0"/>
-              <a:t>2021/04/23</a:t>
+              <a:t>2021/04/30</a:t>
             </a:fld>
             <a:endParaRPr lang="en-ZA"/>
           </a:p>
@@ -5272,7 +5272,7 @@
             <p:ph idx="1"/>
             <p:extLst>
               <p:ext uri="{D42A27DB-BD31-4B8C-83A1-F6EECF244321}">
-                <p14:modId xmlns:p14="http://schemas.microsoft.com/office/powerpoint/2010/main" val="790085871"/>
+                <p14:modId xmlns:p14="http://schemas.microsoft.com/office/powerpoint/2010/main" val="2165060767"/>
               </p:ext>
             </p:extLst>
           </p:nvPr>
@@ -5342,7 +5342,7 @@
                     <a:p>
                       <a:r>
                         <a:rPr lang="en-ZA" dirty="0"/>
-                        <a:t>Group a</a:t>
+                        <a:t>Group a (S01-S05)</a:t>
                       </a:r>
                     </a:p>
                   </a:txBody>
@@ -5355,7 +5355,7 @@
                     <a:p>
                       <a:r>
                         <a:rPr lang="en-ZA" dirty="0"/>
-                        <a:t>Group b</a:t>
+                        <a:t>Group b (S06-S10)</a:t>
                       </a:r>
                     </a:p>
                   </a:txBody>
@@ -5368,7 +5368,7 @@
                     <a:p>
                       <a:r>
                         <a:rPr lang="en-ZA" dirty="0"/>
-                        <a:t>Group c</a:t>
+                        <a:t>Group c (S11-S15)</a:t>
                       </a:r>
                     </a:p>
                   </a:txBody>
@@ -5381,7 +5381,7 @@
                     <a:p>
                       <a:r>
                         <a:rPr lang="en-ZA" dirty="0"/>
-                        <a:t>Group d</a:t>
+                        <a:t>Group d (S16-S20)</a:t>
                       </a:r>
                     </a:p>
                   </a:txBody>
@@ -5415,7 +5415,7 @@
                     <a:p>
                       <a:r>
                         <a:rPr lang="en-ZA" dirty="0"/>
-                        <a:t>+</a:t>
+                        <a:t>-</a:t>
                       </a:r>
                     </a:p>
                   </a:txBody>
@@ -5500,7 +5500,7 @@
                     <a:p>
                       <a:r>
                         <a:rPr lang="en-ZA" dirty="0"/>
-                        <a:t>Root</a:t>
+                        <a:t>Shoot</a:t>
                       </a:r>
                     </a:p>
                   </a:txBody>
@@ -5513,7 +5513,7 @@
                     <a:p>
                       <a:r>
                         <a:rPr lang="en-ZA" dirty="0"/>
-                        <a:t>Shoot</a:t>
+                        <a:t>Root</a:t>
                       </a:r>
                     </a:p>
                   </a:txBody>
